--- a/Clases/doc/Gota.pptx
+++ b/Clases/doc/Gota.pptx
@@ -8474,7 +8474,7 @@
         <p:spPr>
           <a:xfrm>
             <a:off x="4772859" y="2020366"/>
-            <a:ext cx="4426505" cy="2400657"/>
+            <a:ext cx="4426505" cy="2954655"/>
           </a:xfrm>
           <a:prstGeom prst="rect">
             <a:avLst/>
@@ -8586,7 +8586,90 @@
               <a:rPr lang="en-US" i="1" dirty="0">
                 <a:latin typeface="Consolas" panose="020B0609020204030204" pitchFamily="49" charset="0"/>
               </a:rPr>
-              <a:t>El else permite ejecutar una sección de código una vez finalizado el ciclo. </a:t>
+              <a:t>El else permite ejecutar una sección de código una vez finalizado el </a:t>
+            </a:r>
+            <a:r>
+              <a:rPr lang="en-US" i="1" dirty="0" err="1">
+                <a:latin typeface="Consolas" panose="020B0609020204030204" pitchFamily="49" charset="0"/>
+              </a:rPr>
+              <a:t>ciclo</a:t>
+            </a:r>
+            <a:r>
+              <a:rPr lang="en-US" i="1" dirty="0">
+                <a:latin typeface="Consolas" panose="020B0609020204030204" pitchFamily="49" charset="0"/>
+              </a:rPr>
+              <a:t>.</a:t>
+            </a:r>
+          </a:p>
+          <a:p>
+            <a:r>
+              <a:rPr lang="en-US" b="1" i="1" u="sng" dirty="0">
+                <a:solidFill>
+                  <a:srgbClr val="FF0000"/>
+                </a:solidFill>
+                <a:latin typeface="Consolas" panose="020B0609020204030204" pitchFamily="49" charset="0"/>
+              </a:rPr>
+              <a:t>Ante un</a:t>
+            </a:r>
+            <a:r>
+              <a:rPr lang="en-US" b="1" i="1" dirty="0">
+                <a:solidFill>
+                  <a:srgbClr val="FF0000"/>
+                </a:solidFill>
+                <a:latin typeface="Consolas" panose="020B0609020204030204" pitchFamily="49" charset="0"/>
+              </a:rPr>
+              <a:t> </a:t>
+            </a:r>
+            <a:r>
+              <a:rPr lang="en-US" b="1" dirty="0">
+                <a:solidFill>
+                  <a:srgbClr val="0070C0"/>
+                </a:solidFill>
+                <a:latin typeface="Consolas" panose="020B0609020204030204" pitchFamily="49" charset="0"/>
+              </a:rPr>
+              <a:t>break</a:t>
+            </a:r>
+            <a:r>
+              <a:rPr lang="en-US" b="1" dirty="0">
+                <a:solidFill>
+                  <a:srgbClr val="FF0000"/>
+                </a:solidFill>
+                <a:latin typeface="Consolas" panose="020B0609020204030204" pitchFamily="49" charset="0"/>
+              </a:rPr>
+              <a:t>,</a:t>
+            </a:r>
+            <a:r>
+              <a:rPr lang="en-US" b="1" i="1" u="sng" dirty="0">
+                <a:solidFill>
+                  <a:srgbClr val="FF0000"/>
+                </a:solidFill>
+                <a:latin typeface="Consolas" panose="020B0609020204030204" pitchFamily="49" charset="0"/>
+              </a:rPr>
+              <a:t> el else no se </a:t>
+            </a:r>
+            <a:r>
+              <a:rPr lang="en-US" b="1" i="1" u="sng" dirty="0" err="1">
+                <a:solidFill>
+                  <a:srgbClr val="FF0000"/>
+                </a:solidFill>
+                <a:latin typeface="Consolas" panose="020B0609020204030204" pitchFamily="49" charset="0"/>
+              </a:rPr>
+              <a:t>ejecutará</a:t>
+            </a:r>
+            <a:r>
+              <a:rPr lang="en-US" b="1" i="1" u="sng" dirty="0">
+                <a:solidFill>
+                  <a:srgbClr val="FF0000"/>
+                </a:solidFill>
+                <a:latin typeface="Consolas" panose="020B0609020204030204" pitchFamily="49" charset="0"/>
+              </a:rPr>
+              <a:t>.</a:t>
+            </a:r>
+            <a:r>
+              <a:rPr lang="en-US" i="1" dirty="0">
+                <a:latin typeface="Consolas" panose="020B0609020204030204" pitchFamily="49" charset="0"/>
+              </a:rPr>
+              <a:t> </a:t>
             </a:r>
             <a:endParaRPr lang="en-US" sz="1800" b="1" dirty="0">
               <a:latin typeface="Consolas" panose="020B0609020204030204" pitchFamily="49" charset="0"/>
@@ -8709,7 +8792,7 @@
         <p:spPr>
           <a:xfrm>
             <a:off x="6024978" y="2585111"/>
-            <a:ext cx="5861688" cy="2985433"/>
+            <a:ext cx="5861688" cy="2708434"/>
           </a:xfrm>
           <a:prstGeom prst="rect">
             <a:avLst/>
@@ -8823,25 +8906,7 @@
                 </a:solidFill>
                 <a:latin typeface="Consolas" panose="020B0609020204030204" pitchFamily="49" charset="0"/>
               </a:rPr>
-              <a:t>A </a:t>
-            </a:r>
-            <a:r>
-              <a:rPr lang="en-US" b="1" i="1" u="sng" dirty="0" err="1">
-                <a:solidFill>
-                  <a:srgbClr val="FF0000"/>
-                </a:solidFill>
-                <a:latin typeface="Consolas" panose="020B0609020204030204" pitchFamily="49" charset="0"/>
-              </a:rPr>
-              <a:t>diferencia</a:t>
-            </a:r>
-            <a:r>
-              <a:rPr lang="en-US" b="1" i="1" u="sng" dirty="0">
-                <a:solidFill>
-                  <a:srgbClr val="FF0000"/>
-                </a:solidFill>
-                <a:latin typeface="Consolas" panose="020B0609020204030204" pitchFamily="49" charset="0"/>
-              </a:rPr>
-              <a:t> del “ciclo for”, ante un</a:t>
+              <a:t>Ante un</a:t>
             </a:r>
             <a:r>
               <a:rPr lang="en-US" b="1" i="1" dirty="0">

--- a/Clases/doc/Gota.pptx
+++ b/Clases/doc/Gota.pptx
@@ -8665,15 +8665,6 @@
               </a:rPr>
               <a:t>.</a:t>
             </a:r>
-            <a:r>
-              <a:rPr lang="en-US" i="1" dirty="0">
-                <a:latin typeface="Consolas" panose="020B0609020204030204" pitchFamily="49" charset="0"/>
-              </a:rPr>
-              <a:t> </a:t>
-            </a:r>
-            <a:endParaRPr lang="en-US" sz="1800" b="1" dirty="0">
-              <a:latin typeface="Consolas" panose="020B0609020204030204" pitchFamily="49" charset="0"/>
-            </a:endParaRPr>
           </a:p>
         </p:txBody>
       </p:sp>
